--- a/Network-intrusion/docs/doc.pptx
+++ b/Network-intrusion/docs/doc.pptx
@@ -3947,13 +3947,13 @@
           <p:nvPr>
             <p:extLst>
               <p:ext uri="{D42A27DB-BD31-4B8C-83A1-F6EECF244321}">
-                <p14:modId xmlns:p14="http://schemas.microsoft.com/office/powerpoint/2010/main" val="2489122962"/>
+                <p14:modId xmlns:p14="http://schemas.microsoft.com/office/powerpoint/2010/main" val="4199014322"/>
               </p:ext>
             </p:extLst>
           </p:nvPr>
         </p:nvGraphicFramePr>
         <p:xfrm>
-          <a:off x="2286000" y="884766"/>
+          <a:off x="2286000" y="351366"/>
           <a:ext cx="7200900" cy="2696634"/>
         </p:xfrm>
         <a:graphic>
@@ -4291,41 +4291,6 @@
           </a:graphicData>
         </a:graphic>
       </p:graphicFrame>
-      <p:sp>
-        <p:nvSpPr>
-          <p:cNvPr id="2" name="TextBox 1">
-            <a:extLst>
-              <a:ext uri="{FF2B5EF4-FFF2-40B4-BE49-F238E27FC236}">
-                <a16:creationId xmlns:a16="http://schemas.microsoft.com/office/drawing/2014/main" id="{1E9ACD8D-6FD4-794B-85E4-CFA5C5F5B253}"/>
-              </a:ext>
-            </a:extLst>
-          </p:cNvPr>
-          <p:cNvSpPr txBox="1"/>
-          <p:nvPr/>
-        </p:nvSpPr>
-        <p:spPr>
-          <a:xfrm>
-            <a:off x="3943076" y="423101"/>
-            <a:ext cx="3588024" cy="461665"/>
-          </a:xfrm>
-          <a:prstGeom prst="rect">
-            <a:avLst/>
-          </a:prstGeom>
-          <a:noFill/>
-        </p:spPr>
-        <p:txBody>
-          <a:bodyPr wrap="square" rtlCol="0">
-            <a:spAutoFit/>
-          </a:bodyPr>
-          <a:lstStyle/>
-          <a:p>
-            <a:r>
-              <a:rPr lang="en-US" sz="2400" dirty="0"/>
-              <a:t>Unsupervised Learning</a:t>
-            </a:r>
-          </a:p>
-        </p:txBody>
-      </p:sp>
     </p:spTree>
     <p:extLst>
       <p:ext uri="{BB962C8B-B14F-4D97-AF65-F5344CB8AC3E}">
@@ -4356,41 +4321,6 @@
           <a:chExt cx="0" cy="0"/>
         </a:xfrm>
       </p:grpSpPr>
-      <p:sp>
-        <p:nvSpPr>
-          <p:cNvPr id="2" name="TextBox 1">
-            <a:extLst>
-              <a:ext uri="{FF2B5EF4-FFF2-40B4-BE49-F238E27FC236}">
-                <a16:creationId xmlns:a16="http://schemas.microsoft.com/office/drawing/2014/main" id="{1E9ACD8D-6FD4-794B-85E4-CFA5C5F5B253}"/>
-              </a:ext>
-            </a:extLst>
-          </p:cNvPr>
-          <p:cNvSpPr txBox="1"/>
-          <p:nvPr/>
-        </p:nvSpPr>
-        <p:spPr>
-          <a:xfrm>
-            <a:off x="3895588" y="410401"/>
-            <a:ext cx="6162812" cy="461665"/>
-          </a:xfrm>
-          <a:prstGeom prst="rect">
-            <a:avLst/>
-          </a:prstGeom>
-          <a:noFill/>
-        </p:spPr>
-        <p:txBody>
-          <a:bodyPr wrap="square" rtlCol="0">
-            <a:spAutoFit/>
-          </a:bodyPr>
-          <a:lstStyle/>
-          <a:p>
-            <a:r>
-              <a:rPr lang="en-US" sz="2400" dirty="0"/>
-              <a:t>Self-Training Semi-Supervised Learning</a:t>
-            </a:r>
-          </a:p>
-        </p:txBody>
-      </p:sp>
       <p:graphicFrame>
         <p:nvGraphicFramePr>
           <p:cNvPr id="3" name="Table 2">
@@ -4406,13 +4336,13 @@
           <p:nvPr>
             <p:extLst>
               <p:ext uri="{D42A27DB-BD31-4B8C-83A1-F6EECF244321}">
-                <p14:modId xmlns:p14="http://schemas.microsoft.com/office/powerpoint/2010/main" val="3698293298"/>
+                <p14:modId xmlns:p14="http://schemas.microsoft.com/office/powerpoint/2010/main" val="53933594"/>
               </p:ext>
             </p:extLst>
           </p:nvPr>
         </p:nvGraphicFramePr>
         <p:xfrm>
-          <a:off x="2946400" y="1087966"/>
+          <a:off x="2946400" y="478366"/>
           <a:ext cx="6934200" cy="1909234"/>
         </p:xfrm>
         <a:graphic>

--- a/Network-intrusion/docs/doc.pptx
+++ b/Network-intrusion/docs/doc.pptx
@@ -199,7 +199,7 @@
           <a:p>
             <a:fld id="{41910599-3E53-074B-BF5E-6402ADD83401}" type="datetimeFigureOut">
               <a:rPr lang="en-US" smtClean="0"/>
-              <a:t>4/8/21</a:t>
+              <a:t>4/9/21</a:t>
             </a:fld>
             <a:endParaRPr lang="en-US"/>
           </a:p>
@@ -865,7 +865,7 @@
           <a:p>
             <a:fld id="{83898CC1-B6B9-F04B-AC07-D4EE95E8D662}" type="datetimeFigureOut">
               <a:rPr lang="en-US" smtClean="0"/>
-              <a:t>4/8/21</a:t>
+              <a:t>4/9/21</a:t>
             </a:fld>
             <a:endParaRPr lang="en-US"/>
           </a:p>
@@ -1063,7 +1063,7 @@
           <a:p>
             <a:fld id="{83898CC1-B6B9-F04B-AC07-D4EE95E8D662}" type="datetimeFigureOut">
               <a:rPr lang="en-US" smtClean="0"/>
-              <a:t>4/8/21</a:t>
+              <a:t>4/9/21</a:t>
             </a:fld>
             <a:endParaRPr lang="en-US"/>
           </a:p>
@@ -1271,7 +1271,7 @@
           <a:p>
             <a:fld id="{83898CC1-B6B9-F04B-AC07-D4EE95E8D662}" type="datetimeFigureOut">
               <a:rPr lang="en-US" smtClean="0"/>
-              <a:t>4/8/21</a:t>
+              <a:t>4/9/21</a:t>
             </a:fld>
             <a:endParaRPr lang="en-US"/>
           </a:p>
@@ -1469,7 +1469,7 @@
           <a:p>
             <a:fld id="{83898CC1-B6B9-F04B-AC07-D4EE95E8D662}" type="datetimeFigureOut">
               <a:rPr lang="en-US" smtClean="0"/>
-              <a:t>4/8/21</a:t>
+              <a:t>4/9/21</a:t>
             </a:fld>
             <a:endParaRPr lang="en-US"/>
           </a:p>
@@ -1744,7 +1744,7 @@
           <a:p>
             <a:fld id="{83898CC1-B6B9-F04B-AC07-D4EE95E8D662}" type="datetimeFigureOut">
               <a:rPr lang="en-US" smtClean="0"/>
-              <a:t>4/8/21</a:t>
+              <a:t>4/9/21</a:t>
             </a:fld>
             <a:endParaRPr lang="en-US"/>
           </a:p>
@@ -2009,7 +2009,7 @@
           <a:p>
             <a:fld id="{83898CC1-B6B9-F04B-AC07-D4EE95E8D662}" type="datetimeFigureOut">
               <a:rPr lang="en-US" smtClean="0"/>
-              <a:t>4/8/21</a:t>
+              <a:t>4/9/21</a:t>
             </a:fld>
             <a:endParaRPr lang="en-US"/>
           </a:p>
@@ -2421,7 +2421,7 @@
           <a:p>
             <a:fld id="{83898CC1-B6B9-F04B-AC07-D4EE95E8D662}" type="datetimeFigureOut">
               <a:rPr lang="en-US" smtClean="0"/>
-              <a:t>4/8/21</a:t>
+              <a:t>4/9/21</a:t>
             </a:fld>
             <a:endParaRPr lang="en-US"/>
           </a:p>
@@ -2562,7 +2562,7 @@
           <a:p>
             <a:fld id="{83898CC1-B6B9-F04B-AC07-D4EE95E8D662}" type="datetimeFigureOut">
               <a:rPr lang="en-US" smtClean="0"/>
-              <a:t>4/8/21</a:t>
+              <a:t>4/9/21</a:t>
             </a:fld>
             <a:endParaRPr lang="en-US"/>
           </a:p>
@@ -2675,7 +2675,7 @@
           <a:p>
             <a:fld id="{83898CC1-B6B9-F04B-AC07-D4EE95E8D662}" type="datetimeFigureOut">
               <a:rPr lang="en-US" smtClean="0"/>
-              <a:t>4/8/21</a:t>
+              <a:t>4/9/21</a:t>
             </a:fld>
             <a:endParaRPr lang="en-US"/>
           </a:p>
@@ -2986,7 +2986,7 @@
           <a:p>
             <a:fld id="{83898CC1-B6B9-F04B-AC07-D4EE95E8D662}" type="datetimeFigureOut">
               <a:rPr lang="en-US" smtClean="0"/>
-              <a:t>4/8/21</a:t>
+              <a:t>4/9/21</a:t>
             </a:fld>
             <a:endParaRPr lang="en-US"/>
           </a:p>
@@ -3274,7 +3274,7 @@
           <a:p>
             <a:fld id="{83898CC1-B6B9-F04B-AC07-D4EE95E8D662}" type="datetimeFigureOut">
               <a:rPr lang="en-US" smtClean="0"/>
-              <a:t>4/8/21</a:t>
+              <a:t>4/9/21</a:t>
             </a:fld>
             <a:endParaRPr lang="en-US"/>
           </a:p>
@@ -3515,7 +3515,7 @@
           <a:p>
             <a:fld id="{83898CC1-B6B9-F04B-AC07-D4EE95E8D662}" type="datetimeFigureOut">
               <a:rPr lang="en-US" smtClean="0"/>
-              <a:t>4/8/21</a:t>
+              <a:t>4/9/21</a:t>
             </a:fld>
             <a:endParaRPr lang="en-US"/>
           </a:p>
@@ -4336,7 +4336,7 @@
           <p:nvPr>
             <p:extLst>
               <p:ext uri="{D42A27DB-BD31-4B8C-83A1-F6EECF244321}">
-                <p14:modId xmlns:p14="http://schemas.microsoft.com/office/powerpoint/2010/main" val="53933594"/>
+                <p14:modId xmlns:p14="http://schemas.microsoft.com/office/powerpoint/2010/main" val="2237246662"/>
               </p:ext>
             </p:extLst>
           </p:nvPr>
@@ -4460,9 +4460,10 @@
                     <a:lstStyle/>
                     <a:p>
                       <a:r>
-                        <a:rPr lang="en-US" dirty="0"/>
-                        <a:t>0.98</a:t>
+                        <a:rPr lang="en-US"/>
+                        <a:t>0.99</a:t>
                       </a:r>
+                      <a:endParaRPr lang="en-US" dirty="0"/>
                     </a:p>
                   </a:txBody>
                   <a:tcPr/>

--- a/Network-intrusion/docs/doc.pptx
+++ b/Network-intrusion/docs/doc.pptx
@@ -4336,7 +4336,7 @@
           <p:nvPr>
             <p:extLst>
               <p:ext uri="{D42A27DB-BD31-4B8C-83A1-F6EECF244321}">
-                <p14:modId xmlns:p14="http://schemas.microsoft.com/office/powerpoint/2010/main" val="2237246662"/>
+                <p14:modId xmlns:p14="http://schemas.microsoft.com/office/powerpoint/2010/main" val="971700202"/>
               </p:ext>
             </p:extLst>
           </p:nvPr>
@@ -4460,10 +4460,9 @@
                     <a:lstStyle/>
                     <a:p>
                       <a:r>
-                        <a:rPr lang="en-US"/>
+                        <a:rPr lang="en-US" dirty="0"/>
                         <a:t>0.99</a:t>
                       </a:r>
-                      <a:endParaRPr lang="en-US" dirty="0"/>
                     </a:p>
                   </a:txBody>
                   <a:tcPr/>

--- a/Network-intrusion/docs/doc.pptx
+++ b/Network-intrusion/docs/doc.pptx
@@ -199,7 +199,7 @@
           <a:p>
             <a:fld id="{41910599-3E53-074B-BF5E-6402ADD83401}" type="datetimeFigureOut">
               <a:rPr lang="en-US" smtClean="0"/>
-              <a:t>4/9/21</a:t>
+              <a:t>5/20/21</a:t>
             </a:fld>
             <a:endParaRPr lang="en-US"/>
           </a:p>
@@ -865,7 +865,7 @@
           <a:p>
             <a:fld id="{83898CC1-B6B9-F04B-AC07-D4EE95E8D662}" type="datetimeFigureOut">
               <a:rPr lang="en-US" smtClean="0"/>
-              <a:t>4/9/21</a:t>
+              <a:t>5/20/21</a:t>
             </a:fld>
             <a:endParaRPr lang="en-US"/>
           </a:p>
@@ -1063,7 +1063,7 @@
           <a:p>
             <a:fld id="{83898CC1-B6B9-F04B-AC07-D4EE95E8D662}" type="datetimeFigureOut">
               <a:rPr lang="en-US" smtClean="0"/>
-              <a:t>4/9/21</a:t>
+              <a:t>5/20/21</a:t>
             </a:fld>
             <a:endParaRPr lang="en-US"/>
           </a:p>
@@ -1271,7 +1271,7 @@
           <a:p>
             <a:fld id="{83898CC1-B6B9-F04B-AC07-D4EE95E8D662}" type="datetimeFigureOut">
               <a:rPr lang="en-US" smtClean="0"/>
-              <a:t>4/9/21</a:t>
+              <a:t>5/20/21</a:t>
             </a:fld>
             <a:endParaRPr lang="en-US"/>
           </a:p>
@@ -1469,7 +1469,7 @@
           <a:p>
             <a:fld id="{83898CC1-B6B9-F04B-AC07-D4EE95E8D662}" type="datetimeFigureOut">
               <a:rPr lang="en-US" smtClean="0"/>
-              <a:t>4/9/21</a:t>
+              <a:t>5/20/21</a:t>
             </a:fld>
             <a:endParaRPr lang="en-US"/>
           </a:p>
@@ -1744,7 +1744,7 @@
           <a:p>
             <a:fld id="{83898CC1-B6B9-F04B-AC07-D4EE95E8D662}" type="datetimeFigureOut">
               <a:rPr lang="en-US" smtClean="0"/>
-              <a:t>4/9/21</a:t>
+              <a:t>5/20/21</a:t>
             </a:fld>
             <a:endParaRPr lang="en-US"/>
           </a:p>
@@ -2009,7 +2009,7 @@
           <a:p>
             <a:fld id="{83898CC1-B6B9-F04B-AC07-D4EE95E8D662}" type="datetimeFigureOut">
               <a:rPr lang="en-US" smtClean="0"/>
-              <a:t>4/9/21</a:t>
+              <a:t>5/20/21</a:t>
             </a:fld>
             <a:endParaRPr lang="en-US"/>
           </a:p>
@@ -2421,7 +2421,7 @@
           <a:p>
             <a:fld id="{83898CC1-B6B9-F04B-AC07-D4EE95E8D662}" type="datetimeFigureOut">
               <a:rPr lang="en-US" smtClean="0"/>
-              <a:t>4/9/21</a:t>
+              <a:t>5/20/21</a:t>
             </a:fld>
             <a:endParaRPr lang="en-US"/>
           </a:p>
@@ -2562,7 +2562,7 @@
           <a:p>
             <a:fld id="{83898CC1-B6B9-F04B-AC07-D4EE95E8D662}" type="datetimeFigureOut">
               <a:rPr lang="en-US" smtClean="0"/>
-              <a:t>4/9/21</a:t>
+              <a:t>5/20/21</a:t>
             </a:fld>
             <a:endParaRPr lang="en-US"/>
           </a:p>
@@ -2675,7 +2675,7 @@
           <a:p>
             <a:fld id="{83898CC1-B6B9-F04B-AC07-D4EE95E8D662}" type="datetimeFigureOut">
               <a:rPr lang="en-US" smtClean="0"/>
-              <a:t>4/9/21</a:t>
+              <a:t>5/20/21</a:t>
             </a:fld>
             <a:endParaRPr lang="en-US"/>
           </a:p>
@@ -2986,7 +2986,7 @@
           <a:p>
             <a:fld id="{83898CC1-B6B9-F04B-AC07-D4EE95E8D662}" type="datetimeFigureOut">
               <a:rPr lang="en-US" smtClean="0"/>
-              <a:t>4/9/21</a:t>
+              <a:t>5/20/21</a:t>
             </a:fld>
             <a:endParaRPr lang="en-US"/>
           </a:p>
@@ -3274,7 +3274,7 @@
           <a:p>
             <a:fld id="{83898CC1-B6B9-F04B-AC07-D4EE95E8D662}" type="datetimeFigureOut">
               <a:rPr lang="en-US" smtClean="0"/>
-              <a:t>4/9/21</a:t>
+              <a:t>5/20/21</a:t>
             </a:fld>
             <a:endParaRPr lang="en-US"/>
           </a:p>
@@ -3515,7 +3515,7 @@
           <a:p>
             <a:fld id="{83898CC1-B6B9-F04B-AC07-D4EE95E8D662}" type="datetimeFigureOut">
               <a:rPr lang="en-US" smtClean="0"/>
-              <a:t>4/9/21</a:t>
+              <a:t>5/20/21</a:t>
             </a:fld>
             <a:endParaRPr lang="en-US"/>
           </a:p>
@@ -3947,7 +3947,7 @@
           <p:nvPr>
             <p:extLst>
               <p:ext uri="{D42A27DB-BD31-4B8C-83A1-F6EECF244321}">
-                <p14:modId xmlns:p14="http://schemas.microsoft.com/office/powerpoint/2010/main" val="4199014322"/>
+                <p14:modId xmlns:p14="http://schemas.microsoft.com/office/powerpoint/2010/main" val="1920226009"/>
               </p:ext>
             </p:extLst>
           </p:nvPr>
@@ -3960,7 +3960,7 @@
           <a:graphicData uri="http://schemas.openxmlformats.org/drawingml/2006/table">
             <a:tbl>
               <a:tblPr firstRow="1" bandRow="1">
-                <a:tableStyleId>{7DF18680-E054-41AD-8BC1-D1AEF772440D}</a:tableStyleId>
+                <a:tableStyleId>{37CE84F3-28C3-443E-9E96-99CF82512B78}</a:tableStyleId>
               </a:tblPr>
               <a:tblGrid>
                 <a:gridCol w="2395048">
@@ -4336,23 +4336,23 @@
           <p:nvPr>
             <p:extLst>
               <p:ext uri="{D42A27DB-BD31-4B8C-83A1-F6EECF244321}">
-                <p14:modId xmlns:p14="http://schemas.microsoft.com/office/powerpoint/2010/main" val="971700202"/>
+                <p14:modId xmlns:p14="http://schemas.microsoft.com/office/powerpoint/2010/main" val="548939435"/>
               </p:ext>
             </p:extLst>
           </p:nvPr>
         </p:nvGraphicFramePr>
         <p:xfrm>
           <a:off x="2946400" y="478366"/>
-          <a:ext cx="6934200" cy="1909234"/>
+          <a:ext cx="6820218" cy="1909234"/>
         </p:xfrm>
         <a:graphic>
           <a:graphicData uri="http://schemas.openxmlformats.org/drawingml/2006/table">
             <a:tbl>
               <a:tblPr firstRow="1" bandRow="1">
-                <a:tableStyleId>{7DF18680-E054-41AD-8BC1-D1AEF772440D}</a:tableStyleId>
+                <a:tableStyleId>{37CE84F3-28C3-443E-9E96-99CF82512B78}</a:tableStyleId>
               </a:tblPr>
               <a:tblGrid>
-                <a:gridCol w="2095500">
+                <a:gridCol w="1981518">
                   <a:extLst>
                     <a:ext uri="{9D8B030D-6E8A-4147-A177-3AD203B41FA5}">
                       <a16:colId xmlns:a16="http://schemas.microsoft.com/office/drawing/2014/main" val="2684640754"/>
@@ -4461,7 +4461,7 @@
                     <a:p>
                       <a:r>
                         <a:rPr lang="en-US" dirty="0"/>
-                        <a:t>0.99</a:t>
+                        <a:t>0.97</a:t>
                       </a:r>
                     </a:p>
                   </a:txBody>
@@ -4519,9 +4519,10 @@
                     <a:lstStyle/>
                     <a:p>
                       <a:r>
-                        <a:rPr lang="en-US" dirty="0"/>
-                        <a:t>0.99</a:t>
+                        <a:rPr lang="en-US"/>
+                        <a:t>0.97</a:t>
                       </a:r>
+                      <a:endParaRPr lang="en-US" dirty="0"/>
                     </a:p>
                   </a:txBody>
                   <a:tcPr/>
@@ -4642,7 +4643,7 @@
           <p:nvPr>
             <p:extLst>
               <p:ext uri="{D42A27DB-BD31-4B8C-83A1-F6EECF244321}">
-                <p14:modId xmlns:p14="http://schemas.microsoft.com/office/powerpoint/2010/main" val="2390488675"/>
+                <p14:modId xmlns:p14="http://schemas.microsoft.com/office/powerpoint/2010/main" val="3581123457"/>
               </p:ext>
             </p:extLst>
           </p:nvPr>
@@ -4655,7 +4656,7 @@
           <a:graphicData uri="http://schemas.openxmlformats.org/drawingml/2006/table">
             <a:tbl>
               <a:tblPr firstRow="1" bandRow="1">
-                <a:tableStyleId>{7DF18680-E054-41AD-8BC1-D1AEF772440D}</a:tableStyleId>
+                <a:tableStyleId>{37CE84F3-28C3-443E-9E96-99CF82512B78}</a:tableStyleId>
               </a:tblPr>
               <a:tblGrid>
                 <a:gridCol w="1943100">
@@ -4918,7 +4919,7 @@
           <p:nvPr>
             <p:extLst>
               <p:ext uri="{D42A27DB-BD31-4B8C-83A1-F6EECF244321}">
-                <p14:modId xmlns:p14="http://schemas.microsoft.com/office/powerpoint/2010/main" val="3681764907"/>
+                <p14:modId xmlns:p14="http://schemas.microsoft.com/office/powerpoint/2010/main" val="1095397147"/>
               </p:ext>
             </p:extLst>
           </p:nvPr>
@@ -4931,7 +4932,7 @@
           <a:graphicData uri="http://schemas.openxmlformats.org/drawingml/2006/table">
             <a:tbl>
               <a:tblPr firstRow="1" bandRow="1">
-                <a:tableStyleId>{7DF18680-E054-41AD-8BC1-D1AEF772440D}</a:tableStyleId>
+                <a:tableStyleId>{37CE84F3-28C3-443E-9E96-99CF82512B78}</a:tableStyleId>
               </a:tblPr>
               <a:tblGrid>
                 <a:gridCol w="1943100">

--- a/Network-intrusion/docs/doc.pptx
+++ b/Network-intrusion/docs/doc.pptx
@@ -3947,7 +3947,7 @@
           <p:nvPr>
             <p:extLst>
               <p:ext uri="{D42A27DB-BD31-4B8C-83A1-F6EECF244321}">
-                <p14:modId xmlns:p14="http://schemas.microsoft.com/office/powerpoint/2010/main" val="1920226009"/>
+                <p14:modId xmlns:p14="http://schemas.microsoft.com/office/powerpoint/2010/main" val="1757670960"/>
               </p:ext>
             </p:extLst>
           </p:nvPr>
@@ -4072,7 +4072,7 @@
                     <a:p>
                       <a:r>
                         <a:rPr lang="en-US" sz="1800" dirty="0"/>
-                        <a:t>0.73</a:t>
+                        <a:t>0.92</a:t>
                       </a:r>
                     </a:p>
                   </a:txBody>
@@ -4098,7 +4098,7 @@
                     <a:p>
                       <a:r>
                         <a:rPr lang="en-US" sz="1800" dirty="0"/>
-                        <a:t>0.83</a:t>
+                        <a:t>0.91</a:t>
                       </a:r>
                     </a:p>
                   </a:txBody>
@@ -4144,7 +4144,7 @@
                     <a:p>
                       <a:r>
                         <a:rPr lang="en-US" sz="1800" dirty="0"/>
-                        <a:t>0.20</a:t>
+                        <a:t>0.02</a:t>
                       </a:r>
                     </a:p>
                   </a:txBody>
@@ -4203,7 +4203,7 @@
                     <a:p>
                       <a:r>
                         <a:rPr lang="en-US" sz="1800" dirty="0"/>
-                        <a:t>0.20</a:t>
+                        <a:t>0.02</a:t>
                       </a:r>
                     </a:p>
                   </a:txBody>
@@ -4249,7 +4249,7 @@
                     <a:p>
                       <a:r>
                         <a:rPr lang="en-US" sz="1800" dirty="0"/>
-                        <a:t>0.36</a:t>
+                        <a:t>0.35</a:t>
                       </a:r>
                     </a:p>
                   </a:txBody>
@@ -4336,7 +4336,7 @@
           <p:nvPr>
             <p:extLst>
               <p:ext uri="{D42A27DB-BD31-4B8C-83A1-F6EECF244321}">
-                <p14:modId xmlns:p14="http://schemas.microsoft.com/office/powerpoint/2010/main" val="548939435"/>
+                <p14:modId xmlns:p14="http://schemas.microsoft.com/office/powerpoint/2010/main" val="2682494259"/>
               </p:ext>
             </p:extLst>
           </p:nvPr>
@@ -4519,10 +4519,9 @@
                     <a:lstStyle/>
                     <a:p>
                       <a:r>
-                        <a:rPr lang="en-US"/>
+                        <a:rPr lang="en-US" dirty="0"/>
                         <a:t>0.97</a:t>
                       </a:r>
-                      <a:endParaRPr lang="en-US" dirty="0"/>
                     </a:p>
                   </a:txBody>
                   <a:tcPr/>
@@ -4643,7 +4642,7 @@
           <p:nvPr>
             <p:extLst>
               <p:ext uri="{D42A27DB-BD31-4B8C-83A1-F6EECF244321}">
-                <p14:modId xmlns:p14="http://schemas.microsoft.com/office/powerpoint/2010/main" val="3581123457"/>
+                <p14:modId xmlns:p14="http://schemas.microsoft.com/office/powerpoint/2010/main" val="3451105459"/>
               </p:ext>
             </p:extLst>
           </p:nvPr>
@@ -4919,7 +4918,7 @@
           <p:nvPr>
             <p:extLst>
               <p:ext uri="{D42A27DB-BD31-4B8C-83A1-F6EECF244321}">
-                <p14:modId xmlns:p14="http://schemas.microsoft.com/office/powerpoint/2010/main" val="1095397147"/>
+                <p14:modId xmlns:p14="http://schemas.microsoft.com/office/powerpoint/2010/main" val="3860304629"/>
               </p:ext>
             </p:extLst>
           </p:nvPr>

--- a/Network-intrusion/docs/doc.pptx
+++ b/Network-intrusion/docs/doc.pptx
@@ -3947,7 +3947,7 @@
           <p:nvPr>
             <p:extLst>
               <p:ext uri="{D42A27DB-BD31-4B8C-83A1-F6EECF244321}">
-                <p14:modId xmlns:p14="http://schemas.microsoft.com/office/powerpoint/2010/main" val="1757670960"/>
+                <p14:modId xmlns:p14="http://schemas.microsoft.com/office/powerpoint/2010/main" val="4070160944"/>
               </p:ext>
             </p:extLst>
           </p:nvPr>
@@ -4072,7 +4072,7 @@
                     <a:p>
                       <a:r>
                         <a:rPr lang="en-US" sz="1800" dirty="0"/>
-                        <a:t>0.92</a:t>
+                        <a:t>1.00</a:t>
                       </a:r>
                     </a:p>
                   </a:txBody>
@@ -4098,7 +4098,7 @@
                     <a:p>
                       <a:r>
                         <a:rPr lang="en-US" sz="1800" dirty="0"/>
-                        <a:t>0.91</a:t>
+                        <a:t>0.92</a:t>
                       </a:r>
                     </a:p>
                   </a:txBody>
@@ -4249,7 +4249,7 @@
                     <a:p>
                       <a:r>
                         <a:rPr lang="en-US" sz="1800" dirty="0"/>
-                        <a:t>0.35</a:t>
+                        <a:t>0.89</a:t>
                       </a:r>
                     </a:p>
                   </a:txBody>
@@ -4275,7 +4275,7 @@
                     <a:p>
                       <a:r>
                         <a:rPr lang="en-US" sz="1800" dirty="0"/>
-                        <a:t>0.63</a:t>
+                        <a:t>0.89</a:t>
                       </a:r>
                     </a:p>
                   </a:txBody>
@@ -4336,14 +4336,14 @@
           <p:nvPr>
             <p:extLst>
               <p:ext uri="{D42A27DB-BD31-4B8C-83A1-F6EECF244321}">
-                <p14:modId xmlns:p14="http://schemas.microsoft.com/office/powerpoint/2010/main" val="2682494259"/>
+                <p14:modId xmlns:p14="http://schemas.microsoft.com/office/powerpoint/2010/main" val="3983022400"/>
               </p:ext>
             </p:extLst>
           </p:nvPr>
         </p:nvGraphicFramePr>
         <p:xfrm>
           <a:off x="2946400" y="478366"/>
-          <a:ext cx="6820218" cy="1909234"/>
+          <a:ext cx="6819992" cy="2616689"/>
         </p:xfrm>
         <a:graphic>
           <a:graphicData uri="http://schemas.openxmlformats.org/drawingml/2006/table">
@@ -4359,21 +4359,21 @@
                     </a:ext>
                   </a:extLst>
                 </a:gridCol>
-                <a:gridCol w="1371600">
+                <a:gridCol w="1371536">
                   <a:extLst>
                     <a:ext uri="{9D8B030D-6E8A-4147-A177-3AD203B41FA5}">
                       <a16:colId xmlns:a16="http://schemas.microsoft.com/office/drawing/2014/main" val="4070426758"/>
                     </a:ext>
                   </a:extLst>
                 </a:gridCol>
-                <a:gridCol w="1733550">
+                <a:gridCol w="1733469">
                   <a:extLst>
                     <a:ext uri="{9D8B030D-6E8A-4147-A177-3AD203B41FA5}">
                       <a16:colId xmlns:a16="http://schemas.microsoft.com/office/drawing/2014/main" val="4200341199"/>
                     </a:ext>
                   </a:extLst>
                 </a:gridCol>
-                <a:gridCol w="1733550">
+                <a:gridCol w="1733469">
                   <a:extLst>
                     <a:ext uri="{9D8B030D-6E8A-4147-A177-3AD203B41FA5}">
                       <a16:colId xmlns:a16="http://schemas.microsoft.com/office/drawing/2014/main" val="961226742"/>
@@ -4381,7 +4381,7 @@
                   </a:extLst>
                 </a:gridCol>
               </a:tblGrid>
-              <a:tr h="474134">
+              <a:tr h="480442">
                 <a:tc>
                   <a:txBody>
                     <a:bodyPr/>
@@ -4440,7 +4440,7 @@
                   </a:ext>
                 </a:extLst>
               </a:tr>
-              <a:tr h="762000">
+              <a:tr h="772137">
                 <a:tc>
                   <a:txBody>
                     <a:bodyPr/>
@@ -4461,7 +4461,7 @@
                     <a:p>
                       <a:r>
                         <a:rPr lang="en-US" dirty="0"/>
-                        <a:t>0.97</a:t>
+                        <a:t>0.99</a:t>
                       </a:r>
                     </a:p>
                   </a:txBody>
@@ -4474,7 +4474,7 @@
                     <a:p>
                       <a:r>
                         <a:rPr lang="en-US" dirty="0"/>
-                        <a:t>0.99</a:t>
+                        <a:t>0.98</a:t>
                       </a:r>
                     </a:p>
                   </a:txBody>
@@ -4499,7 +4499,7 @@
                   </a:ext>
                 </a:extLst>
               </a:tr>
-              <a:tr h="673100">
+              <a:tr h="682055">
                 <a:tc>
                   <a:txBody>
                     <a:bodyPr/>
@@ -4520,7 +4520,7 @@
                     <a:p>
                       <a:r>
                         <a:rPr lang="en-US" dirty="0"/>
-                        <a:t>0.97</a:t>
+                        <a:t>0.96</a:t>
                       </a:r>
                     </a:p>
                   </a:txBody>
@@ -4555,6 +4555,66 @@
                 <a:extLst>
                   <a:ext uri="{0D108BD9-81ED-4DB2-BD59-A6C34878D82A}">
                     <a16:rowId xmlns:a16="http://schemas.microsoft.com/office/drawing/2014/main" val="4022111634"/>
+                  </a:ext>
+                </a:extLst>
+              </a:tr>
+              <a:tr h="682055">
+                <a:tc>
+                  <a:txBody>
+                    <a:bodyPr/>
+                    <a:lstStyle/>
+                    <a:p>
+                      <a:r>
+                        <a:rPr lang="en-US" dirty="0" err="1"/>
+                        <a:t>XGBoost</a:t>
+                      </a:r>
+                      <a:endParaRPr lang="en-US" dirty="0"/>
+                    </a:p>
+                  </a:txBody>
+                  <a:tcPr/>
+                </a:tc>
+                <a:tc>
+                  <a:txBody>
+                    <a:bodyPr/>
+                    <a:lstStyle/>
+                    <a:p>
+                      <a:r>
+                        <a:rPr lang="en-US" dirty="0"/>
+                        <a:t>1.00</a:t>
+                      </a:r>
+                    </a:p>
+                  </a:txBody>
+                  <a:tcPr/>
+                </a:tc>
+                <a:tc>
+                  <a:txBody>
+                    <a:bodyPr/>
+                    <a:lstStyle/>
+                    <a:p>
+                      <a:r>
+                        <a:rPr lang="en-US" dirty="0"/>
+                        <a:t>0.98</a:t>
+                      </a:r>
+                    </a:p>
+                  </a:txBody>
+                  <a:tcPr/>
+                </a:tc>
+                <a:tc>
+                  <a:txBody>
+                    <a:bodyPr/>
+                    <a:lstStyle/>
+                    <a:p>
+                      <a:r>
+                        <a:rPr lang="en-US" dirty="0"/>
+                        <a:t>1.00</a:t>
+                      </a:r>
+                    </a:p>
+                  </a:txBody>
+                  <a:tcPr/>
+                </a:tc>
+                <a:extLst>
+                  <a:ext uri="{0D108BD9-81ED-4DB2-BD59-A6C34878D82A}">
+                    <a16:rowId xmlns:a16="http://schemas.microsoft.com/office/drawing/2014/main" val="2280348616"/>
                   </a:ext>
                 </a:extLst>
               </a:tr>

--- a/Network-intrusion/docs/doc.pptx
+++ b/Network-intrusion/docs/doc.pptx
@@ -4702,7 +4702,7 @@
           <p:nvPr>
             <p:extLst>
               <p:ext uri="{D42A27DB-BD31-4B8C-83A1-F6EECF244321}">
-                <p14:modId xmlns:p14="http://schemas.microsoft.com/office/powerpoint/2010/main" val="3451105459"/>
+                <p14:modId xmlns:p14="http://schemas.microsoft.com/office/powerpoint/2010/main" val="977992431"/>
               </p:ext>
             </p:extLst>
           </p:nvPr>
@@ -4978,7 +4978,7 @@
           <p:nvPr>
             <p:extLst>
               <p:ext uri="{D42A27DB-BD31-4B8C-83A1-F6EECF244321}">
-                <p14:modId xmlns:p14="http://schemas.microsoft.com/office/powerpoint/2010/main" val="3860304629"/>
+                <p14:modId xmlns:p14="http://schemas.microsoft.com/office/powerpoint/2010/main" val="2694564218"/>
               </p:ext>
             </p:extLst>
           </p:nvPr>
